--- a/assets/lectures/cbw/2024/mini/RNASeq_MiniLecture_03_03_DifferentialExpression.pptx
+++ b/assets/lectures/cbw/2024/mini/RNASeq_MiniLecture_03_03_DifferentialExpression.pptx
@@ -210,7 +210,7 @@
           <a:p>
             <a:fld id="{827BD9F9-8452-A342-BB1B-28ECF19E2CC5}" type="datetimeFigureOut">
               <a:rPr lang="en-US" smtClean="0"/>
-              <a:t>7/16/23</a:t>
+              <a:t>6/16/24</a:t>
             </a:fld>
             <a:endParaRPr lang="en-US"/>
           </a:p>
@@ -1575,7 +1575,7 @@
   <p:clrMapOvr>
     <a:masterClrMapping/>
   </p:clrMapOvr>
-  <p:extLst mod="1">
+  <p:extLst>
     <p:ext uri="{DCECCB84-F9BA-43D5-87BE-67443E8EF086}">
       <p15:sldGuideLst xmlns:p15="http://schemas.microsoft.com/office/powerpoint/2012/main">
         <p15:guide id="1" orient="horz" pos="2160">
@@ -2269,14 +2269,14 @@
           </a:ln>
           <a:extLst>
             <a:ext uri="{909E8E84-426E-40dd-AFC4-6F175D3DCCD1}">
-              <a14:hiddenFill xmlns="" xmlns:a14="http://schemas.microsoft.com/office/drawing/2010/main">
+              <a14:hiddenFill xmlns:a14="http://schemas.microsoft.com/office/drawing/2010/main" xmlns="">
                 <a:solidFill>
                   <a:srgbClr val="FFFFFF"/>
                 </a:solidFill>
               </a14:hiddenFill>
             </a:ext>
             <a:ext uri="{91240B29-F687-4f45-9708-019B960494DF}">
-              <a14:hiddenLine xmlns="" xmlns:a14="http://schemas.microsoft.com/office/drawing/2010/main" w="9525">
+              <a14:hiddenLine xmlns:a14="http://schemas.microsoft.com/office/drawing/2010/main" xmlns="" w="9525">
                 <a:solidFill>
                   <a:srgbClr val="000000"/>
                 </a:solidFill>
@@ -2526,14 +2526,14 @@
           </a:ln>
           <a:extLst>
             <a:ext uri="{909E8E84-426E-40dd-AFC4-6F175D3DCCD1}">
-              <a14:hiddenFill xmlns="" xmlns:a14="http://schemas.microsoft.com/office/drawing/2010/main">
+              <a14:hiddenFill xmlns:a14="http://schemas.microsoft.com/office/drawing/2010/main" xmlns="">
                 <a:solidFill>
                   <a:srgbClr val="FFFFFF"/>
                 </a:solidFill>
               </a14:hiddenFill>
             </a:ext>
             <a:ext uri="{91240B29-F687-4f45-9708-019B960494DF}">
-              <a14:hiddenLine xmlns="" xmlns:a14="http://schemas.microsoft.com/office/drawing/2010/main" w="9525">
+              <a14:hiddenLine xmlns:a14="http://schemas.microsoft.com/office/drawing/2010/main" xmlns="" w="9525">
                 <a:solidFill>
                   <a:srgbClr val="000000"/>
                 </a:solidFill>
@@ -4046,14 +4046,14 @@
           </a:ln>
           <a:extLst>
             <a:ext uri="{909E8E84-426E-40dd-AFC4-6F175D3DCCD1}">
-              <a14:hiddenFill xmlns="" xmlns:a14="http://schemas.microsoft.com/office/drawing/2010/main">
+              <a14:hiddenFill xmlns:a14="http://schemas.microsoft.com/office/drawing/2010/main" xmlns="">
                 <a:solidFill>
                   <a:srgbClr val="FFFFFF"/>
                 </a:solidFill>
               </a14:hiddenFill>
             </a:ext>
             <a:ext uri="{91240B29-F687-4f45-9708-019B960494DF}">
-              <a14:hiddenLine xmlns="" xmlns:a14="http://schemas.microsoft.com/office/drawing/2010/main" w="9525">
+              <a14:hiddenLine xmlns:a14="http://schemas.microsoft.com/office/drawing/2010/main" xmlns="" w="9525">
                 <a:solidFill>
                   <a:srgbClr val="000000"/>
                 </a:solidFill>
@@ -6288,14 +6288,14 @@
           </a:ln>
           <a:extLst>
             <a:ext uri="{909E8E84-426E-40dd-AFC4-6F175D3DCCD1}">
-              <a14:hiddenFill xmlns:a14="http://schemas.microsoft.com/office/drawing/2010/main" xmlns="">
+              <a14:hiddenFill xmlns="" xmlns:a14="http://schemas.microsoft.com/office/drawing/2010/main">
                 <a:solidFill>
                   <a:srgbClr val="FFFFFF"/>
                 </a:solidFill>
               </a14:hiddenFill>
             </a:ext>
             <a:ext uri="{91240B29-F687-4f45-9708-019B960494DF}">
-              <a14:hiddenLine xmlns:a14="http://schemas.microsoft.com/office/drawing/2010/main" xmlns="" w="9525">
+              <a14:hiddenLine xmlns="" xmlns:a14="http://schemas.microsoft.com/office/drawing/2010/main" w="9525">
                 <a:solidFill>
                   <a:srgbClr val="000000"/>
                 </a:solidFill>
@@ -6776,14 +6776,14 @@
             </a:ln>
             <a:extLst>
               <a:ext uri="{909E8E84-426E-40dd-AFC4-6F175D3DCCD1}">
-                <a14:hiddenFill xmlns:a14="http://schemas.microsoft.com/office/drawing/2010/main" xmlns="">
+                <a14:hiddenFill xmlns="" xmlns:a14="http://schemas.microsoft.com/office/drawing/2010/main">
                   <a:solidFill>
                     <a:srgbClr val="FFFFFF"/>
                   </a:solidFill>
                 </a14:hiddenFill>
               </a:ext>
               <a:ext uri="{91240B29-F687-4f45-9708-019B960494DF}">
-                <a14:hiddenLine xmlns:a14="http://schemas.microsoft.com/office/drawing/2010/main" xmlns="" w="9525">
+                <a14:hiddenLine xmlns="" xmlns:a14="http://schemas.microsoft.com/office/drawing/2010/main" w="9525">
                   <a:solidFill>
                     <a:srgbClr val="000000"/>
                   </a:solidFill>
@@ -7095,14 +7095,14 @@
             </a:ln>
             <a:extLst>
               <a:ext uri="{909E8E84-426E-40dd-AFC4-6F175D3DCCD1}">
-                <a14:hiddenFill xmlns:a14="http://schemas.microsoft.com/office/drawing/2010/main" xmlns="">
+                <a14:hiddenFill xmlns="" xmlns:a14="http://schemas.microsoft.com/office/drawing/2010/main">
                   <a:solidFill>
                     <a:srgbClr val="FFFFFF"/>
                   </a:solidFill>
                 </a14:hiddenFill>
               </a:ext>
               <a:ext uri="{91240B29-F687-4f45-9708-019B960494DF}">
-                <a14:hiddenLine xmlns:a14="http://schemas.microsoft.com/office/drawing/2010/main" xmlns="" w="9525">
+                <a14:hiddenLine xmlns="" xmlns:a14="http://schemas.microsoft.com/office/drawing/2010/main" w="9525">
                   <a:solidFill>
                     <a:srgbClr val="000000"/>
                   </a:solidFill>
@@ -7428,14 +7428,14 @@
             </a:ln>
             <a:extLst>
               <a:ext uri="{909E8E84-426E-40dd-AFC4-6F175D3DCCD1}">
-                <a14:hiddenFill xmlns:a14="http://schemas.microsoft.com/office/drawing/2010/main" xmlns="">
+                <a14:hiddenFill xmlns="" xmlns:a14="http://schemas.microsoft.com/office/drawing/2010/main">
                   <a:solidFill>
                     <a:srgbClr val="FFFFFF"/>
                   </a:solidFill>
                 </a14:hiddenFill>
               </a:ext>
               <a:ext uri="{91240B29-F687-4f45-9708-019B960494DF}">
-                <a14:hiddenLine xmlns:a14="http://schemas.microsoft.com/office/drawing/2010/main" xmlns="" w="9525">
+                <a14:hiddenLine xmlns="" xmlns:a14="http://schemas.microsoft.com/office/drawing/2010/main" w="9525">
                   <a:solidFill>
                     <a:srgbClr val="000000"/>
                   </a:solidFill>
@@ -7761,14 +7761,14 @@
             </a:ln>
             <a:extLst>
               <a:ext uri="{909E8E84-426E-40dd-AFC4-6F175D3DCCD1}">
-                <a14:hiddenFill xmlns:a14="http://schemas.microsoft.com/office/drawing/2010/main" xmlns="">
+                <a14:hiddenFill xmlns="" xmlns:a14="http://schemas.microsoft.com/office/drawing/2010/main">
                   <a:solidFill>
                     <a:srgbClr val="FFFFFF"/>
                   </a:solidFill>
                 </a14:hiddenFill>
               </a:ext>
               <a:ext uri="{91240B29-F687-4f45-9708-019B960494DF}">
-                <a14:hiddenLine xmlns:a14="http://schemas.microsoft.com/office/drawing/2010/main" xmlns="" w="9525">
+                <a14:hiddenLine xmlns="" xmlns:a14="http://schemas.microsoft.com/office/drawing/2010/main" w="9525">
                   <a:solidFill>
                     <a:srgbClr val="000000"/>
                   </a:solidFill>
@@ -8094,14 +8094,14 @@
             </a:ln>
             <a:extLst>
               <a:ext uri="{909E8E84-426E-40dd-AFC4-6F175D3DCCD1}">
-                <a14:hiddenFill xmlns:a14="http://schemas.microsoft.com/office/drawing/2010/main" xmlns="">
+                <a14:hiddenFill xmlns="" xmlns:a14="http://schemas.microsoft.com/office/drawing/2010/main">
                   <a:solidFill>
                     <a:srgbClr val="FFFFFF"/>
                   </a:solidFill>
                 </a14:hiddenFill>
               </a:ext>
               <a:ext uri="{91240B29-F687-4f45-9708-019B960494DF}">
-                <a14:hiddenLine xmlns:a14="http://schemas.microsoft.com/office/drawing/2010/main" xmlns="" w="9525">
+                <a14:hiddenLine xmlns="" xmlns:a14="http://schemas.microsoft.com/office/drawing/2010/main" w="9525">
                   <a:solidFill>
                     <a:srgbClr val="000000"/>
                   </a:solidFill>
@@ -8430,14 +8430,14 @@
             </a:ln>
             <a:extLst>
               <a:ext uri="{909E8E84-426E-40dd-AFC4-6F175D3DCCD1}">
-                <a14:hiddenFill xmlns:a14="http://schemas.microsoft.com/office/drawing/2010/main" xmlns="">
+                <a14:hiddenFill xmlns="" xmlns:a14="http://schemas.microsoft.com/office/drawing/2010/main">
                   <a:solidFill>
                     <a:srgbClr val="FFFFFF"/>
                   </a:solidFill>
                 </a14:hiddenFill>
               </a:ext>
               <a:ext uri="{91240B29-F687-4f45-9708-019B960494DF}">
-                <a14:hiddenLine xmlns:a14="http://schemas.microsoft.com/office/drawing/2010/main" xmlns="" w="9525">
+                <a14:hiddenLine xmlns="" xmlns:a14="http://schemas.microsoft.com/office/drawing/2010/main" w="9525">
                   <a:solidFill>
                     <a:srgbClr val="000000"/>
                   </a:solidFill>
@@ -9459,14 +9459,14 @@
           </a:ln>
           <a:extLst>
             <a:ext uri="{909E8E84-426E-40dd-AFC4-6F175D3DCCD1}">
-              <a14:hiddenFill xmlns:a14="http://schemas.microsoft.com/office/drawing/2010/main" xmlns="">
+              <a14:hiddenFill xmlns="" xmlns:a14="http://schemas.microsoft.com/office/drawing/2010/main">
                 <a:solidFill>
                   <a:srgbClr val="FFFFFF"/>
                 </a:solidFill>
               </a14:hiddenFill>
             </a:ext>
             <a:ext uri="{91240B29-F687-4f45-9708-019B960494DF}">
-              <a14:hiddenLine xmlns:a14="http://schemas.microsoft.com/office/drawing/2010/main" xmlns="" w="9525">
+              <a14:hiddenLine xmlns="" xmlns:a14="http://schemas.microsoft.com/office/drawing/2010/main" w="9525">
                 <a:solidFill>
                   <a:srgbClr val="000000"/>
                 </a:solidFill>
@@ -10195,14 +10195,14 @@
           </a:ln>
           <a:extLst>
             <a:ext uri="{909E8E84-426E-40dd-AFC4-6F175D3DCCD1}">
-              <a14:hiddenFill xmlns:a14="http://schemas.microsoft.com/office/drawing/2010/main" xmlns="">
+              <a14:hiddenFill xmlns="" xmlns:a14="http://schemas.microsoft.com/office/drawing/2010/main">
                 <a:solidFill>
                   <a:srgbClr val="FFFFFF"/>
                 </a:solidFill>
               </a14:hiddenFill>
             </a:ext>
             <a:ext uri="{91240B29-F687-4f45-9708-019B960494DF}">
-              <a14:hiddenLine xmlns:a14="http://schemas.microsoft.com/office/drawing/2010/main" xmlns="" w="9525">
+              <a14:hiddenLine xmlns="" xmlns:a14="http://schemas.microsoft.com/office/drawing/2010/main" w="9525">
                 <a:solidFill>
                   <a:srgbClr val="000000"/>
                 </a:solidFill>
@@ -10294,7 +10294,35 @@
                 <a:latin typeface="Calibri"/>
                 <a:cs typeface="Calibri"/>
               </a:rPr>
-              <a:t>Obi Griffith and Malachi Griffith  </a:t>
+              <a:t>Malachi Griffith, Obi Griffith, Isabel </a:t>
+            </a:r>
+            <a:r>
+              <a:rPr lang="en-US" sz="1800" dirty="0" err="1">
+                <a:latin typeface="Calibri"/>
+                <a:cs typeface="Calibri"/>
+              </a:rPr>
+              <a:t>Risch</a:t>
+            </a:r>
+            <a:r>
+              <a:rPr lang="en-US" sz="1800" dirty="0">
+                <a:latin typeface="Calibri"/>
+                <a:cs typeface="Calibri"/>
+              </a:rPr>
+              <a:t>, Vida </a:t>
+            </a:r>
+            <a:r>
+              <a:rPr lang="en-US" sz="1800" dirty="0" err="1">
+                <a:latin typeface="Calibri"/>
+                <a:cs typeface="Calibri"/>
+              </a:rPr>
+              <a:t>Talebian</a:t>
+            </a:r>
+            <a:r>
+              <a:rPr lang="en-US" sz="1800" dirty="0">
+                <a:latin typeface="Calibri"/>
+                <a:cs typeface="Calibri"/>
+              </a:rPr>
+              <a:t>  </a:t>
             </a:r>
           </a:p>
           <a:p>
@@ -10313,10 +10341,10 @@
                 <a:latin typeface="Calibri"/>
                 <a:cs typeface="Calibri"/>
               </a:rPr>
-              <a:t>RNA-</a:t>
-            </a:r>
-            <a:r>
-              <a:rPr lang="en-US" sz="1800" dirty="0" err="1">
+              <a:t>RNA-seq Analysis 2024. </a:t>
+            </a:r>
+            <a:r>
+              <a:rPr lang="en-US" sz="1600">
                 <a:ln w="1270">
                   <a:solidFill>
                     <a:schemeClr val="tx1">
@@ -10327,21 +10355,7 @@
                 <a:latin typeface="Calibri"/>
                 <a:cs typeface="Calibri"/>
               </a:rPr>
-              <a:t>seq</a:t>
-            </a:r>
-            <a:r>
-              <a:rPr lang="en-US" sz="1800" dirty="0">
-                <a:ln w="1270">
-                  <a:solidFill>
-                    <a:schemeClr val="tx1">
-                      <a:alpha val="38000"/>
-                    </a:schemeClr>
-                  </a:solidFill>
-                </a:ln>
-                <a:latin typeface="Calibri"/>
-                <a:cs typeface="Calibri"/>
-              </a:rPr>
-              <a:t> Analysis 2023. </a:t>
+              <a:t>June </a:t>
             </a:r>
             <a:r>
               <a:rPr lang="en-US" sz="1600" dirty="0">
@@ -10355,7 +10369,7 @@
                 <a:latin typeface="Calibri"/>
                 <a:cs typeface="Calibri"/>
               </a:rPr>
-              <a:t>July 17-19, 2023</a:t>
+              <a:t>17-19, 2024</a:t>
             </a:r>
           </a:p>
         </p:txBody>

--- a/assets/lectures/cbw/2024/mini/RNASeq_MiniLecture_03_03_DifferentialExpression.pptx
+++ b/assets/lectures/cbw/2024/mini/RNASeq_MiniLecture_03_03_DifferentialExpression.pptx
@@ -9712,10 +9712,10 @@
       </p:sp>
       <p:sp>
         <p:nvSpPr>
-          <p:cNvPr id="3" name="Google Shape;96;p5">
+          <p:cNvPr id="2" name="Google Shape;159;g24c7d206a1c_1_72">
             <a:extLst>
               <a:ext uri="{FF2B5EF4-FFF2-40B4-BE49-F238E27FC236}">
-                <a16:creationId xmlns:a16="http://schemas.microsoft.com/office/drawing/2014/main" id="{88631DC3-81E9-3941-B06F-8BCFE63F05AE}"/>
+                <a16:creationId xmlns:a16="http://schemas.microsoft.com/office/drawing/2014/main" id="{E247F051-92A0-FEF6-1489-CBA9BFA9D9CF}"/>
               </a:ext>
             </a:extLst>
           </p:cNvPr>
@@ -9725,7 +9725,7 @@
         <p:spPr>
           <a:xfrm>
             <a:off x="2117124" y="3832139"/>
-            <a:ext cx="7951574" cy="300082"/>
+            <a:ext cx="7951500" cy="300000"/>
           </a:xfrm>
           <a:prstGeom prst="rect">
             <a:avLst/>
@@ -9741,11 +9741,25 @@
           </a:bodyPr>
           <a:lstStyle/>
           <a:p>
-            <a:pPr algn="ctr">
+            <a:pPr marL="0" marR="0" lvl="0" indent="0" algn="ctr" rtl="0">
+              <a:lnSpc>
+                <a:spcPct val="100000"/>
+              </a:lnSpc>
+              <a:spcBef>
+                <a:spcPts val="0"/>
+              </a:spcBef>
+              <a:spcAft>
+                <a:spcPts val="0"/>
+              </a:spcAft>
+              <a:buClr>
+                <a:srgbClr val="000000"/>
+              </a:buClr>
               <a:buSzPts val="1350"/>
+              <a:buFont typeface="Arial"/>
+              <a:buNone/>
             </a:pPr>
             <a:r>
-              <a:rPr lang="en-US" sz="1350">
+              <a:rPr lang="en-US" sz="1350" b="0" i="0" u="none" strike="noStrike" cap="none">
                 <a:solidFill>
                   <a:schemeClr val="dk1"/>
                 </a:solidFill>
@@ -9756,16 +9770,24 @@
               </a:rPr>
               <a:t>Workshop Sponsors:</a:t>
             </a:r>
-            <a:endParaRPr/>
+            <a:endParaRPr sz="1400" b="0" i="0" u="none" strike="noStrike" cap="none">
+              <a:solidFill>
+                <a:srgbClr val="000000"/>
+              </a:solidFill>
+              <a:latin typeface="Arial"/>
+              <a:ea typeface="Arial"/>
+              <a:cs typeface="Arial"/>
+              <a:sym typeface="Arial"/>
+            </a:endParaRPr>
           </a:p>
         </p:txBody>
       </p:sp>
       <p:pic>
         <p:nvPicPr>
-          <p:cNvPr id="4" name="Google Shape;97;p5">
+          <p:cNvPr id="8" name="Google Shape;160;g24c7d206a1c_1_72">
             <a:extLst>
               <a:ext uri="{FF2B5EF4-FFF2-40B4-BE49-F238E27FC236}">
-                <a16:creationId xmlns:a16="http://schemas.microsoft.com/office/drawing/2014/main" id="{AF1522AC-2104-8749-A3FA-CB4A3EF71352}"/>
+                <a16:creationId xmlns:a16="http://schemas.microsoft.com/office/drawing/2014/main" id="{F7F5E3FB-8CA4-FEAE-0DEF-399B9EF84757}"/>
               </a:ext>
             </a:extLst>
           </p:cNvPr>
@@ -9781,7 +9803,7 @@
         </p:blipFill>
         <p:spPr>
           <a:xfrm>
-            <a:off x="7090774" y="4479553"/>
+            <a:off x="8025272" y="4403978"/>
             <a:ext cx="1105775" cy="795825"/>
           </a:xfrm>
           <a:prstGeom prst="rect">
@@ -9795,10 +9817,10 @@
       </p:pic>
       <p:pic>
         <p:nvPicPr>
-          <p:cNvPr id="5" name="Google Shape;98;p5">
+          <p:cNvPr id="9" name="Google Shape;161;g24c7d206a1c_1_72">
             <a:extLst>
               <a:ext uri="{FF2B5EF4-FFF2-40B4-BE49-F238E27FC236}">
-                <a16:creationId xmlns:a16="http://schemas.microsoft.com/office/drawing/2014/main" id="{5988154D-75C4-D140-BD40-97DA26A10CC3}"/>
+                <a16:creationId xmlns:a16="http://schemas.microsoft.com/office/drawing/2014/main" id="{1E1E68A7-FAEF-F651-8972-88CAF4842F3E}"/>
               </a:ext>
             </a:extLst>
           </p:cNvPr>
@@ -9814,7 +9836,7 @@
         </p:blipFill>
         <p:spPr>
           <a:xfrm>
-            <a:off x="2126453" y="4645705"/>
+            <a:off x="3060951" y="4570130"/>
             <a:ext cx="2085975" cy="590550"/>
           </a:xfrm>
           <a:prstGeom prst="rect">
@@ -9828,10 +9850,10 @@
       </p:pic>
       <p:pic>
         <p:nvPicPr>
-          <p:cNvPr id="6" name="Google Shape;100;p5">
+          <p:cNvPr id="10" name="Google Shape;162;g24c7d206a1c_1_72">
             <a:extLst>
               <a:ext uri="{FF2B5EF4-FFF2-40B4-BE49-F238E27FC236}">
-                <a16:creationId xmlns:a16="http://schemas.microsoft.com/office/drawing/2014/main" id="{BCCD44B2-96A5-334A-B057-64FFC2DE2837}"/>
+                <a16:creationId xmlns:a16="http://schemas.microsoft.com/office/drawing/2014/main" id="{56ABB749-710B-0BA3-E547-83F706B2C8BD}"/>
               </a:ext>
             </a:extLst>
           </p:cNvPr>
@@ -9847,7 +9869,7 @@
         </p:blipFill>
         <p:spPr>
           <a:xfrm>
-            <a:off x="4773672" y="4319015"/>
+            <a:off x="5708169" y="4243440"/>
             <a:ext cx="1869300" cy="1243925"/>
           </a:xfrm>
           <a:prstGeom prst="rect">
@@ -9861,32 +9883,68 @@
       </p:pic>
       <p:pic>
         <p:nvPicPr>
-          <p:cNvPr id="7" name="Picture 6" descr="A picture containing graphical user interface&#10;&#10;Description automatically generated">
+          <p:cNvPr id="11" name="Google Shape;163;g24c7d206a1c_1_72" descr="A picture containing graphical user interface&#10;&#10;Description automatically generated">
             <a:extLst>
               <a:ext uri="{FF2B5EF4-FFF2-40B4-BE49-F238E27FC236}">
-                <a16:creationId xmlns:a16="http://schemas.microsoft.com/office/drawing/2014/main" id="{ACB0864B-7D3A-6545-80DF-CEE8A115F5DF}"/>
+                <a16:creationId xmlns:a16="http://schemas.microsoft.com/office/drawing/2014/main" id="{2D0200DC-02F8-4FB0-4B0D-56007E90A217}"/>
               </a:ext>
             </a:extLst>
           </p:cNvPr>
-          <p:cNvPicPr>
-            <a:picLocks noChangeAspect="1"/>
-          </p:cNvPicPr>
+          <p:cNvPicPr preferRelativeResize="0"/>
           <p:nvPr/>
         </p:nvPicPr>
-        <p:blipFill>
-          <a:blip r:embed="rId6"/>
-          <a:stretch>
-            <a:fillRect/>
-          </a:stretch>
+        <p:blipFill rotWithShape="1">
+          <a:blip r:embed="rId6">
+            <a:alphaModFix/>
+          </a:blip>
+          <a:srcRect/>
+          <a:stretch/>
         </p:blipFill>
         <p:spPr>
           <a:xfrm>
-            <a:off x="8942610" y="4529349"/>
+            <a:off x="6502657" y="5353037"/>
             <a:ext cx="1143000" cy="685800"/>
           </a:xfrm>
           <a:prstGeom prst="rect">
             <a:avLst/>
           </a:prstGeom>
+          <a:noFill/>
+          <a:ln>
+            <a:noFill/>
+          </a:ln>
+        </p:spPr>
+      </p:pic>
+      <p:pic>
+        <p:nvPicPr>
+          <p:cNvPr id="12" name="Google Shape;164;g24c7d206a1c_1_72">
+            <a:extLst>
+              <a:ext uri="{FF2B5EF4-FFF2-40B4-BE49-F238E27FC236}">
+                <a16:creationId xmlns:a16="http://schemas.microsoft.com/office/drawing/2014/main" id="{C8449121-3833-D7D2-1275-A5D92823BBA4}"/>
+              </a:ext>
+            </a:extLst>
+          </p:cNvPr>
+          <p:cNvPicPr preferRelativeResize="0"/>
+          <p:nvPr/>
+        </p:nvPicPr>
+        <p:blipFill rotWithShape="1">
+          <a:blip r:embed="rId7">
+            <a:alphaModFix/>
+          </a:blip>
+          <a:srcRect/>
+          <a:stretch/>
+        </p:blipFill>
+        <p:spPr>
+          <a:xfrm>
+            <a:off x="4546337" y="5426596"/>
+            <a:ext cx="1311749" cy="538675"/>
+          </a:xfrm>
+          <a:prstGeom prst="rect">
+            <a:avLst/>
+          </a:prstGeom>
+          <a:noFill/>
+          <a:ln>
+            <a:noFill/>
+          </a:ln>
         </p:spPr>
       </p:pic>
     </p:spTree>
@@ -9921,7 +9979,13 @@
       </p:grpSpPr>
       <p:pic>
         <p:nvPicPr>
-          <p:cNvPr id="75" name="Google Shape;75;p2" descr="Picture 1.png"/>
+          <p:cNvPr id="2" name="Google Shape;131;p2">
+            <a:extLst>
+              <a:ext uri="{FF2B5EF4-FFF2-40B4-BE49-F238E27FC236}">
+                <a16:creationId xmlns:a16="http://schemas.microsoft.com/office/drawing/2014/main" id="{034CE14E-F87E-DF70-B0A2-18FD2F6E066A}"/>
+              </a:ext>
+            </a:extLst>
+          </p:cNvPr>
           <p:cNvPicPr preferRelativeResize="0"/>
           <p:nvPr/>
         </p:nvPicPr>
@@ -9934,8 +9998,8 @@
         </p:blipFill>
         <p:spPr>
           <a:xfrm>
-            <a:off x="3135984" y="290447"/>
-            <a:ext cx="5920032" cy="5813143"/>
+            <a:off x="4095918" y="260648"/>
+            <a:ext cx="4000165" cy="6003046"/>
           </a:xfrm>
           <a:prstGeom prst="rect">
             <a:avLst/>
